--- a/Classifiers/Figures/FigureEdits.pptx
+++ b/Classifiers/Figures/FigureEdits.pptx
@@ -105,6 +105,11 @@
       </a:defRPr>
     </a:lvl9pPr>
   </p:defaultTextStyle>
+  <p:extLst>
+    <p:ext uri="{EFAFB233-063F-42B5-8137-9DF3F51BA10A}">
+      <p15:sldGuideLst xmlns:p15="http://schemas.microsoft.com/office/powerpoint/2012/main"/>
+    </p:ext>
+  </p:extLst>
 </p:presentation>
 </file>
 
@@ -3561,6 +3566,170 @@
           <a:chExt cx="0" cy="0"/>
         </a:xfrm>
       </p:grpSpPr>
+      <p:grpSp>
+        <p:nvGrpSpPr>
+          <p:cNvPr id="9" name="Group 8"/>
+          <p:cNvGrpSpPr/>
+          <p:nvPr/>
+        </p:nvGrpSpPr>
+        <p:grpSpPr>
+          <a:xfrm>
+            <a:off x="2411893" y="-106017"/>
+            <a:ext cx="9627707" cy="7931428"/>
+            <a:chOff x="2411893" y="-106017"/>
+            <a:chExt cx="9627707" cy="7931428"/>
+          </a:xfrm>
+        </p:grpSpPr>
+        <p:pic>
+          <p:nvPicPr>
+            <p:cNvPr id="3" name="Picture 2"/>
+            <p:cNvPicPr>
+              <a:picLocks noChangeAspect="1"/>
+            </p:cNvPicPr>
+            <p:nvPr/>
+          </p:nvPicPr>
+          <p:blipFill rotWithShape="1">
+            <a:blip r:embed="rId4">
+              <a:extLst>
+                <a:ext uri="{28A0092B-C50C-407E-A947-70E740481C1C}">
+                  <a14:useLocalDpi xmlns:a14="http://schemas.microsoft.com/office/drawing/2010/main" val="0"/>
+                </a:ext>
+              </a:extLst>
+            </a:blip>
+            <a:srcRect r="10051"/>
+            <a:stretch/>
+          </p:blipFill>
+          <p:spPr>
+            <a:xfrm>
+              <a:off x="2411893" y="-106017"/>
+              <a:ext cx="4083292" cy="4114800"/>
+            </a:xfrm>
+            <a:prstGeom prst="rect">
+              <a:avLst/>
+            </a:prstGeom>
+          </p:spPr>
+        </p:pic>
+        <p:pic>
+          <p:nvPicPr>
+            <p:cNvPr id="4" name="Picture 3"/>
+            <p:cNvPicPr>
+              <a:picLocks noChangeAspect="1"/>
+            </p:cNvPicPr>
+            <p:nvPr/>
+          </p:nvPicPr>
+          <p:blipFill rotWithShape="1">
+            <a:blip r:embed="rId5">
+              <a:extLst>
+                <a:ext uri="{28A0092B-C50C-407E-A947-70E740481C1C}">
+                  <a14:useLocalDpi xmlns:a14="http://schemas.microsoft.com/office/drawing/2010/main" val="0"/>
+                </a:ext>
+              </a:extLst>
+            </a:blip>
+            <a:srcRect l="7822"/>
+            <a:stretch/>
+          </p:blipFill>
+          <p:spPr>
+            <a:xfrm>
+              <a:off x="6785113" y="-106017"/>
+              <a:ext cx="4013901" cy="4114800"/>
+            </a:xfrm>
+            <a:prstGeom prst="rect">
+              <a:avLst/>
+            </a:prstGeom>
+          </p:spPr>
+        </p:pic>
+        <p:pic>
+          <p:nvPicPr>
+            <p:cNvPr id="5" name="Picture 4"/>
+            <p:cNvPicPr>
+              <a:picLocks noChangeAspect="1"/>
+            </p:cNvPicPr>
+            <p:nvPr/>
+          </p:nvPicPr>
+          <p:blipFill rotWithShape="1">
+            <a:blip r:embed="rId6">
+              <a:extLst>
+                <a:ext uri="{28A0092B-C50C-407E-A947-70E740481C1C}">
+                  <a14:useLocalDpi xmlns:a14="http://schemas.microsoft.com/office/drawing/2010/main" val="0"/>
+                </a:ext>
+              </a:extLst>
+            </a:blip>
+            <a:srcRect t="3382" r="11188"/>
+            <a:stretch/>
+          </p:blipFill>
+          <p:spPr>
+            <a:xfrm>
+              <a:off x="2411893" y="3849759"/>
+              <a:ext cx="4083292" cy="3975652"/>
+            </a:xfrm>
+            <a:prstGeom prst="rect">
+              <a:avLst/>
+            </a:prstGeom>
+          </p:spPr>
+        </p:pic>
+        <p:pic>
+          <p:nvPicPr>
+            <p:cNvPr id="6" name="Picture 5"/>
+            <p:cNvPicPr>
+              <a:picLocks noChangeAspect="1"/>
+            </p:cNvPicPr>
+            <p:nvPr/>
+          </p:nvPicPr>
+          <p:blipFill rotWithShape="1">
+            <a:blip r:embed="rId7">
+              <a:extLst>
+                <a:ext uri="{28A0092B-C50C-407E-A947-70E740481C1C}">
+                  <a14:useLocalDpi xmlns:a14="http://schemas.microsoft.com/office/drawing/2010/main" val="0"/>
+                </a:ext>
+              </a:extLst>
+            </a:blip>
+            <a:srcRect l="11862" t="3382"/>
+            <a:stretch/>
+          </p:blipFill>
+          <p:spPr>
+            <a:xfrm>
+              <a:off x="6785113" y="3849759"/>
+              <a:ext cx="4244524" cy="3975652"/>
+            </a:xfrm>
+            <a:prstGeom prst="rect">
+              <a:avLst/>
+            </a:prstGeom>
+          </p:spPr>
+        </p:pic>
+        <p:pic>
+          <p:nvPicPr>
+            <p:cNvPr id="8" name="Sound 7">
+              <a:hlinkClick r:id="" action="ppaction://media"/>
+            </p:cNvPr>
+            <p:cNvPicPr>
+              <a:picLocks noChangeAspect="1"/>
+            </p:cNvPicPr>
+            <p:nvPr>
+              <a:audioFile r:link="rId2"/>
+              <p:extLst>
+                <p:ext uri="{DAA4B4D4-6D71-4841-9C94-3DE7FCFB9230}">
+                  <p14:media xmlns:p14="http://schemas.microsoft.com/office/powerpoint/2010/main" r:embed="rId1"/>
+                </p:ext>
+              </p:extLst>
+            </p:nvPr>
+          </p:nvPicPr>
+          <p:blipFill>
+            <a:blip r:embed="rId8"/>
+            <a:stretch>
+              <a:fillRect/>
+            </a:stretch>
+          </p:blipFill>
+          <p:spPr>
+            <a:xfrm>
+              <a:off x="11226800" y="5892800"/>
+              <a:ext cx="812800" cy="812800"/>
+            </a:xfrm>
+            <a:prstGeom prst="rect">
+              <a:avLst/>
+            </a:prstGeom>
+          </p:spPr>
+        </p:pic>
+      </p:grpSp>
     </p:spTree>
     <p:extLst>
       <p:ext uri="{BB962C8B-B14F-4D97-AF65-F5344CB8AC3E}">
@@ -3571,6 +3740,43 @@
   <p:clrMapOvr>
     <a:masterClrMapping/>
   </p:clrMapOvr>
+  <mc:AlternateContent xmlns:mc="http://schemas.openxmlformats.org/markup-compatibility/2006">
+    <mc:Choice xmlns:p14="http://schemas.microsoft.com/office/powerpoint/2010/main" Requires="p14">
+      <p:transition spd="slow" p14:dur="2000" advTm="2233"/>
+    </mc:Choice>
+    <mc:Fallback>
+      <p:transition spd="slow" advTm="2233"/>
+    </mc:Fallback>
+  </mc:AlternateContent>
+  <p:timing>
+    <p:tnLst>
+      <p:par>
+        <p:cTn id="1" dur="indefinite" restart="never" nodeType="tmRoot">
+          <p:childTnLst>
+            <p:audio isNarration="1">
+              <p:cMediaNode vol="80000" showWhenStopped="0">
+                <p:cTn id="2" fill="hold" display="0">
+                  <p:stCondLst>
+                    <p:cond delay="indefinite"/>
+                  </p:stCondLst>
+                  <p:endCondLst>
+                    <p:cond evt="onStopAudio" delay="0">
+                      <p:tgtEl>
+                        <p:sldTgt/>
+                      </p:tgtEl>
+                    </p:cond>
+                  </p:endCondLst>
+                </p:cTn>
+                <p:tgtEl>
+                  <p:spTgt spid="8"/>
+                </p:tgtEl>
+              </p:cMediaNode>
+            </p:audio>
+          </p:childTnLst>
+        </p:cTn>
+      </p:par>
+    </p:tnLst>
+  </p:timing>
 </p:sld>
 </file>
 
